--- a/img/New Microsoft PowerPoint 演示文稿.pptx
+++ b/img/New Microsoft PowerPoint 演示文稿.pptx
@@ -256,7 +256,7 @@
           <a:p>
             <a:fld id="{2A5DA643-D44B-47E3-A620-1A291C887E4E}" type="datetimeFigureOut">
               <a:rPr lang="en-US" smtClean="0"/>
-              <a:t>11/24/2016</a:t>
+              <a:t>12/27/2016</a:t>
             </a:fld>
             <a:endParaRPr lang="en-US"/>
           </a:p>
@@ -426,7 +426,7 @@
           <a:p>
             <a:fld id="{2A5DA643-D44B-47E3-A620-1A291C887E4E}" type="datetimeFigureOut">
               <a:rPr lang="en-US" smtClean="0"/>
-              <a:t>11/24/2016</a:t>
+              <a:t>12/27/2016</a:t>
             </a:fld>
             <a:endParaRPr lang="en-US"/>
           </a:p>
@@ -606,7 +606,7 @@
           <a:p>
             <a:fld id="{2A5DA643-D44B-47E3-A620-1A291C887E4E}" type="datetimeFigureOut">
               <a:rPr lang="en-US" smtClean="0"/>
-              <a:t>11/24/2016</a:t>
+              <a:t>12/27/2016</a:t>
             </a:fld>
             <a:endParaRPr lang="en-US"/>
           </a:p>
@@ -776,7 +776,7 @@
           <a:p>
             <a:fld id="{2A5DA643-D44B-47E3-A620-1A291C887E4E}" type="datetimeFigureOut">
               <a:rPr lang="en-US" smtClean="0"/>
-              <a:t>11/24/2016</a:t>
+              <a:t>12/27/2016</a:t>
             </a:fld>
             <a:endParaRPr lang="en-US"/>
           </a:p>
@@ -1022,7 +1022,7 @@
           <a:p>
             <a:fld id="{2A5DA643-D44B-47E3-A620-1A291C887E4E}" type="datetimeFigureOut">
               <a:rPr lang="en-US" smtClean="0"/>
-              <a:t>11/24/2016</a:t>
+              <a:t>12/27/2016</a:t>
             </a:fld>
             <a:endParaRPr lang="en-US"/>
           </a:p>
@@ -1254,7 +1254,7 @@
           <a:p>
             <a:fld id="{2A5DA643-D44B-47E3-A620-1A291C887E4E}" type="datetimeFigureOut">
               <a:rPr lang="en-US" smtClean="0"/>
-              <a:t>11/24/2016</a:t>
+              <a:t>12/27/2016</a:t>
             </a:fld>
             <a:endParaRPr lang="en-US"/>
           </a:p>
@@ -1621,7 +1621,7 @@
           <a:p>
             <a:fld id="{2A5DA643-D44B-47E3-A620-1A291C887E4E}" type="datetimeFigureOut">
               <a:rPr lang="en-US" smtClean="0"/>
-              <a:t>11/24/2016</a:t>
+              <a:t>12/27/2016</a:t>
             </a:fld>
             <a:endParaRPr lang="en-US"/>
           </a:p>
@@ -1739,7 +1739,7 @@
           <a:p>
             <a:fld id="{2A5DA643-D44B-47E3-A620-1A291C887E4E}" type="datetimeFigureOut">
               <a:rPr lang="en-US" smtClean="0"/>
-              <a:t>11/24/2016</a:t>
+              <a:t>12/27/2016</a:t>
             </a:fld>
             <a:endParaRPr lang="en-US"/>
           </a:p>
@@ -1834,7 +1834,7 @@
           <a:p>
             <a:fld id="{2A5DA643-D44B-47E3-A620-1A291C887E4E}" type="datetimeFigureOut">
               <a:rPr lang="en-US" smtClean="0"/>
-              <a:t>11/24/2016</a:t>
+              <a:t>12/27/2016</a:t>
             </a:fld>
             <a:endParaRPr lang="en-US"/>
           </a:p>
@@ -2111,7 +2111,7 @@
           <a:p>
             <a:fld id="{2A5DA643-D44B-47E3-A620-1A291C887E4E}" type="datetimeFigureOut">
               <a:rPr lang="en-US" smtClean="0"/>
-              <a:t>11/24/2016</a:t>
+              <a:t>12/27/2016</a:t>
             </a:fld>
             <a:endParaRPr lang="en-US"/>
           </a:p>
@@ -2364,7 +2364,7 @@
           <a:p>
             <a:fld id="{2A5DA643-D44B-47E3-A620-1A291C887E4E}" type="datetimeFigureOut">
               <a:rPr lang="en-US" smtClean="0"/>
-              <a:t>11/24/2016</a:t>
+              <a:t>12/27/2016</a:t>
             </a:fld>
             <a:endParaRPr lang="en-US"/>
           </a:p>
@@ -2577,7 +2577,7 @@
           <a:p>
             <a:fld id="{2A5DA643-D44B-47E3-A620-1A291C887E4E}" type="datetimeFigureOut">
               <a:rPr lang="en-US" smtClean="0"/>
-              <a:t>11/24/2016</a:t>
+              <a:t>12/27/2016</a:t>
             </a:fld>
             <a:endParaRPr lang="en-US"/>
           </a:p>
@@ -3032,7 +3032,7 @@
       </p:sp>
       <p:pic>
         <p:nvPicPr>
-          <p:cNvPr id="4" name="图片 3"/>
+          <p:cNvPr id="2" name="图片 1"/>
           <p:cNvPicPr>
             <a:picLocks noChangeAspect="1"/>
           </p:cNvPicPr>
@@ -3052,8 +3052,8 @@
         </p:blipFill>
         <p:spPr>
           <a:xfrm>
-            <a:off x="1747942" y="1403673"/>
-            <a:ext cx="4750941" cy="4111097"/>
+            <a:off x="6296334" y="1290951"/>
+            <a:ext cx="4758211" cy="4336539"/>
           </a:xfrm>
           <a:prstGeom prst="rect">
             <a:avLst/>
@@ -3062,7 +3062,7 @@
       </p:pic>
       <p:pic>
         <p:nvPicPr>
-          <p:cNvPr id="5" name="图片 4"/>
+          <p:cNvPr id="4" name="图片 3"/>
           <p:cNvPicPr>
             <a:picLocks noChangeAspect="1"/>
           </p:cNvPicPr>
@@ -3082,8 +3082,8 @@
         </p:blipFill>
         <p:spPr>
           <a:xfrm>
-            <a:off x="6370327" y="1374643"/>
-            <a:ext cx="4849883" cy="4108711"/>
+            <a:off x="1747942" y="1403673"/>
+            <a:ext cx="4750941" cy="4111097"/>
           </a:xfrm>
           <a:prstGeom prst="rect">
             <a:avLst/>
@@ -3663,7 +3663,7 @@
         </p:nvSpPr>
         <p:spPr>
           <a:xfrm>
-            <a:off x="6983860" y="3219450"/>
+            <a:off x="6752084" y="3219450"/>
             <a:ext cx="419100" cy="419100"/>
           </a:xfrm>
           <a:prstGeom prst="ellipse">
@@ -3714,7 +3714,7 @@
         </p:nvSpPr>
         <p:spPr>
           <a:xfrm>
-            <a:off x="6764805" y="4886130"/>
+            <a:off x="6593514" y="4962330"/>
             <a:ext cx="419100" cy="419100"/>
           </a:xfrm>
           <a:prstGeom prst="ellipse">
@@ -3765,7 +3765,7 @@
         </p:nvSpPr>
         <p:spPr>
           <a:xfrm>
-            <a:off x="9195599" y="3209728"/>
+            <a:off x="9016122" y="3209728"/>
             <a:ext cx="419100" cy="419100"/>
           </a:xfrm>
           <a:prstGeom prst="ellipse">
@@ -3816,7 +3816,7 @@
         </p:nvSpPr>
         <p:spPr>
           <a:xfrm>
-            <a:off x="10538504" y="3143248"/>
+            <a:off x="10679469" y="3219450"/>
             <a:ext cx="419100" cy="419100"/>
           </a:xfrm>
           <a:prstGeom prst="ellipse">

--- a/img/New Microsoft PowerPoint 演示文稿.pptx
+++ b/img/New Microsoft PowerPoint 演示文稿.pptx
@@ -3897,8 +3897,8 @@
         </p:nvSpPr>
         <p:spPr>
           <a:xfrm>
-            <a:off x="183469" y="1699491"/>
-            <a:ext cx="11722204" cy="4692073"/>
+            <a:off x="803954" y="1110342"/>
+            <a:ext cx="11950804" cy="4680857"/>
           </a:xfrm>
           <a:prstGeom prst="rect">
             <a:avLst/>
@@ -3939,7 +3939,7 @@
       </p:sp>
       <p:pic>
         <p:nvPicPr>
-          <p:cNvPr id="4" name="图片 3"/>
+          <p:cNvPr id="2" name="图片 1"/>
           <p:cNvPicPr>
             <a:picLocks noChangeAspect="1"/>
           </p:cNvPicPr>
@@ -3959,7 +3959,7 @@
         </p:blipFill>
         <p:spPr>
           <a:xfrm>
-            <a:off x="183469" y="1858120"/>
+            <a:off x="803954" y="1220520"/>
             <a:ext cx="11640336" cy="4434849"/>
           </a:xfrm>
           <a:prstGeom prst="rect">
